--- a/09. All about Blockchain Interoperability (2021).pptx
+++ b/09. All about Blockchain Interoperability (2021).pptx
@@ -32,25 +32,26 @@
     <p:sldId id="322" r:id="rId25"/>
     <p:sldId id="378" r:id="rId26"/>
     <p:sldId id="376" r:id="rId27"/>
-    <p:sldId id="279" r:id="rId28"/>
+    <p:sldId id="382" r:id="rId28"/>
+    <p:sldId id="279" r:id="rId29"/>
   </p:sldIdLst>
   <p:sldSz cx="9144000" cy="5143500"/>
   <p:notesSz cx="6858000" cy="9144000"/>
   <p:embeddedFontLst>
     <p:embeddedFont>
       <p:font typeface="Sniglet" charset="0"/>
-      <p:regular r:id="rId32"/>
+      <p:regular r:id="rId33"/>
     </p:embeddedFont>
     <p:embeddedFont>
       <p:font typeface="Walter Turncoat" charset="0"/>
-      <p:regular r:id="rId33"/>
+      <p:regular r:id="rId34"/>
     </p:embeddedFont>
     <p:embeddedFont>
       <p:font typeface="Montserrat" charset="0"/>
-      <p:regular r:id="rId34"/>
-      <p:bold r:id="rId35"/>
-      <p:italic r:id="rId36"/>
-      <p:boldItalic r:id="rId37"/>
+      <p:regular r:id="rId35"/>
+      <p:bold r:id="rId36"/>
+      <p:italic r:id="rId37"/>
+      <p:boldItalic r:id="rId38"/>
     </p:embeddedFont>
   </p:embeddedFontLst>
   <p:defaultTextStyle>
@@ -2404,6 +2405,105 @@
 </file>
 
 <file path=ppt/notesSlides/notesSlide25.xml><?xml version="1.0" encoding="utf-8"?>
+<p:notes xmlns:a="http://schemas.openxmlformats.org/drawingml/2006/main" xmlns:r="http://schemas.openxmlformats.org/officeDocument/2006/relationships" xmlns:p="http://schemas.openxmlformats.org/presentationml/2006/main" showMasterPhAnim="0" showMasterSp="0">
+  <p:cSld>
+    <p:spTree>
+      <p:nvGrpSpPr>
+        <p:cNvPr id="77" name="Shape 77"/>
+        <p:cNvGrpSpPr/>
+        <p:nvPr/>
+      </p:nvGrpSpPr>
+      <p:grpSpPr>
+        <a:xfrm>
+          <a:off x="0" y="0"/>
+          <a:ext cx="0" cy="0"/>
+          <a:chOff x="0" y="0"/>
+          <a:chExt cx="0" cy="0"/>
+        </a:xfrm>
+      </p:grpSpPr>
+      <p:sp>
+        <p:nvSpPr>
+          <p:cNvPr id="78" name="Google Shape;78;g35f391192_029:notes"/>
+          <p:cNvSpPr/>
+          <p:nvPr>
+            <p:ph type="sldImg" idx="2"/>
+          </p:nvPr>
+        </p:nvSpPr>
+        <p:spPr>
+          <a:xfrm>
+            <a:off x="381175" y="685800"/>
+            <a:ext cx="6096300" cy="3429000"/>
+          </a:xfrm>
+          <a:custGeom>
+            <a:avLst/>
+            <a:gdLst/>
+            <a:ahLst/>
+            <a:cxnLst/>
+            <a:rect l="l" t="t" r="r" b="b"/>
+            <a:pathLst>
+              <a:path w="120000" h="120000" extrusionOk="false">
+                <a:moveTo>
+                  <a:pt x="0" y="0"/>
+                </a:moveTo>
+                <a:lnTo>
+                  <a:pt x="120000" y="0"/>
+                </a:lnTo>
+                <a:lnTo>
+                  <a:pt x="120000" y="120000"/>
+                </a:lnTo>
+                <a:lnTo>
+                  <a:pt x="0" y="120000"/>
+                </a:lnTo>
+                <a:close/>
+              </a:path>
+            </a:pathLst>
+          </a:custGeom>
+        </p:spPr>
+      </p:sp>
+      <p:sp>
+        <p:nvSpPr>
+          <p:cNvPr id="79" name="Google Shape;79;g35f391192_029:notes"/>
+          <p:cNvSpPr txBox="true"/>
+          <p:nvPr>
+            <p:ph type="body" idx="1"/>
+          </p:nvPr>
+        </p:nvSpPr>
+        <p:spPr>
+          <a:xfrm>
+            <a:off x="685800" y="4343400"/>
+            <a:ext cx="5486400" cy="4114800"/>
+          </a:xfrm>
+          <a:prstGeom prst="rect">
+            <a:avLst/>
+          </a:prstGeom>
+        </p:spPr>
+        <p:txBody>
+          <a:bodyPr spcFirstLastPara="1" wrap="square" lIns="91425" tIns="91425" rIns="91425" bIns="91425" anchor="t" anchorCtr="false">
+            <a:noAutofit/>
+          </a:bodyPr>
+          <a:lstStyle/>
+          <a:p>
+            <a:pPr marL="0" lvl="0" indent="0" algn="l" rtl="0">
+              <a:spcBef>
+                <a:spcPts val="0"/>
+              </a:spcBef>
+              <a:spcAft>
+                <a:spcPts val="0"/>
+              </a:spcAft>
+              <a:buNone/>
+            </a:pPr>
+          </a:p>
+        </p:txBody>
+      </p:sp>
+    </p:spTree>
+  </p:cSld>
+  <p:clrMapOvr>
+    <a:masterClrMapping/>
+  </p:clrMapOvr>
+</p:notes>
+</file>
+
+<file path=ppt/notesSlides/notesSlide26.xml><?xml version="1.0" encoding="utf-8"?>
 <p:notes xmlns:a="http://schemas.openxmlformats.org/drawingml/2006/main" xmlns:r="http://schemas.openxmlformats.org/officeDocument/2006/relationships" xmlns:p="http://schemas.openxmlformats.org/presentationml/2006/main" showMasterPhAnim="0" showMasterSp="0">
   <p:cSld>
     <p:spTree>
@@ -20602,8 +20702,8 @@
         </p:nvSpPr>
         <p:spPr>
           <a:xfrm>
-            <a:off x="2916555" y="2581910"/>
-            <a:ext cx="3312160" cy="1762125"/>
+            <a:off x="794385" y="2581910"/>
+            <a:ext cx="2524125" cy="1762125"/>
           </a:xfrm>
           <a:prstGeom prst="rect">
             <a:avLst/>
@@ -20960,7 +21060,25 @@
               <a:rPr lang="en-US" altLang="en-US" sz="1600">
                 <a:sym typeface="+mn-ea"/>
               </a:rPr>
-              <a:t>{ from, to, payload, state }</a:t>
+              <a:t>{</a:t>
+            </a:r>
+            <a:r>
+              <a:rPr lang="" altLang="en-US" sz="1600">
+                <a:sym typeface="+mn-ea"/>
+              </a:rPr>
+              <a:t> </a:t>
+            </a:r>
+            <a:r>
+              <a:rPr lang="" sz="1600">
+                <a:sym typeface="+mn-ea"/>
+              </a:rPr>
+              <a:t>type</a:t>
+            </a:r>
+            <a:r>
+              <a:rPr lang="en-US" altLang="en-US" sz="1600">
+                <a:sym typeface="+mn-ea"/>
+              </a:rPr>
+              <a:t>, payload}</a:t>
             </a:r>
             <a:endParaRPr lang="en-US" altLang="en-US" sz="1600">
               <a:sym typeface="+mn-ea"/>
@@ -21316,6 +21434,448 @@
           </a:p>
         </p:txBody>
       </p:sp>
+      <p:sp>
+        <p:nvSpPr>
+          <p:cNvPr id="1" name="Google Shape;81;p14"/>
+          <p:cNvSpPr txBox="true"/>
+          <p:nvPr/>
+        </p:nvSpPr>
+        <p:spPr>
+          <a:xfrm>
+            <a:off x="3613785" y="2581910"/>
+            <a:ext cx="4816475" cy="1762125"/>
+          </a:xfrm>
+          <a:prstGeom prst="rect">
+            <a:avLst/>
+          </a:prstGeom>
+          <a:noFill/>
+          <a:ln>
+            <a:solidFill>
+              <a:schemeClr val="bg1"/>
+            </a:solidFill>
+          </a:ln>
+        </p:spPr>
+        <p:txBody>
+          <a:bodyPr wrap="square" lIns="91425" tIns="91425" rIns="91425" bIns="91425" anchor="b" anchorCtr="false">
+            <a:noAutofit/>
+          </a:bodyPr>
+          <a:lstStyle>
+            <a:defPPr marR="0" lvl="0" algn="l" rtl="0">
+              <a:lnSpc>
+                <a:spcPct val="100000"/>
+              </a:lnSpc>
+              <a:spcBef>
+                <a:spcPts val="0"/>
+              </a:spcBef>
+              <a:spcAft>
+                <a:spcPts val="0"/>
+              </a:spcAft>
+            </a:defPPr>
+            <a:lvl1pPr marR="0" lvl="0" algn="ctr" rtl="0">
+              <a:lnSpc>
+                <a:spcPct val="100000"/>
+              </a:lnSpc>
+              <a:spcBef>
+                <a:spcPts val="0"/>
+              </a:spcBef>
+              <a:spcAft>
+                <a:spcPts val="0"/>
+              </a:spcAft>
+              <a:buClr>
+                <a:schemeClr val="lt1"/>
+              </a:buClr>
+              <a:buSzPts val="4800"/>
+              <a:buFont typeface="Walter Turncoat"/>
+              <a:buNone/>
+              <a:defRPr sz="4800" b="0" i="0" u="none" strike="noStrike" cap="none">
+                <a:solidFill>
+                  <a:schemeClr val="lt1"/>
+                </a:solidFill>
+                <a:latin typeface="Walter Turncoat"/>
+                <a:ea typeface="Walter Turncoat"/>
+                <a:cs typeface="Walter Turncoat"/>
+                <a:sym typeface="Walter Turncoat"/>
+              </a:defRPr>
+            </a:lvl1pPr>
+            <a:lvl2pPr marR="0" lvl="1" algn="ctr" rtl="0">
+              <a:lnSpc>
+                <a:spcPct val="100000"/>
+              </a:lnSpc>
+              <a:spcBef>
+                <a:spcPts val="0"/>
+              </a:spcBef>
+              <a:spcAft>
+                <a:spcPts val="0"/>
+              </a:spcAft>
+              <a:buClr>
+                <a:schemeClr val="lt1"/>
+              </a:buClr>
+              <a:buSzPts val="4800"/>
+              <a:buFont typeface="Walter Turncoat"/>
+              <a:buNone/>
+              <a:defRPr sz="4800" b="0" i="0" u="none" strike="noStrike" cap="none">
+                <a:solidFill>
+                  <a:schemeClr val="lt1"/>
+                </a:solidFill>
+                <a:latin typeface="Walter Turncoat"/>
+                <a:ea typeface="Walter Turncoat"/>
+                <a:cs typeface="Walter Turncoat"/>
+                <a:sym typeface="Walter Turncoat"/>
+              </a:defRPr>
+            </a:lvl2pPr>
+            <a:lvl3pPr marR="0" lvl="2" algn="ctr" rtl="0">
+              <a:lnSpc>
+                <a:spcPct val="100000"/>
+              </a:lnSpc>
+              <a:spcBef>
+                <a:spcPts val="0"/>
+              </a:spcBef>
+              <a:spcAft>
+                <a:spcPts val="0"/>
+              </a:spcAft>
+              <a:buClr>
+                <a:schemeClr val="lt1"/>
+              </a:buClr>
+              <a:buSzPts val="4800"/>
+              <a:buFont typeface="Walter Turncoat"/>
+              <a:buNone/>
+              <a:defRPr sz="4800" b="0" i="0" u="none" strike="noStrike" cap="none">
+                <a:solidFill>
+                  <a:schemeClr val="lt1"/>
+                </a:solidFill>
+                <a:latin typeface="Walter Turncoat"/>
+                <a:ea typeface="Walter Turncoat"/>
+                <a:cs typeface="Walter Turncoat"/>
+                <a:sym typeface="Walter Turncoat"/>
+              </a:defRPr>
+            </a:lvl3pPr>
+            <a:lvl4pPr marR="0" lvl="3" algn="ctr" rtl="0">
+              <a:lnSpc>
+                <a:spcPct val="100000"/>
+              </a:lnSpc>
+              <a:spcBef>
+                <a:spcPts val="0"/>
+              </a:spcBef>
+              <a:spcAft>
+                <a:spcPts val="0"/>
+              </a:spcAft>
+              <a:buClr>
+                <a:schemeClr val="lt1"/>
+              </a:buClr>
+              <a:buSzPts val="4800"/>
+              <a:buFont typeface="Walter Turncoat"/>
+              <a:buNone/>
+              <a:defRPr sz="4800" b="0" i="0" u="none" strike="noStrike" cap="none">
+                <a:solidFill>
+                  <a:schemeClr val="lt1"/>
+                </a:solidFill>
+                <a:latin typeface="Walter Turncoat"/>
+                <a:ea typeface="Walter Turncoat"/>
+                <a:cs typeface="Walter Turncoat"/>
+                <a:sym typeface="Walter Turncoat"/>
+              </a:defRPr>
+            </a:lvl4pPr>
+            <a:lvl5pPr marR="0" lvl="4" algn="ctr" rtl="0">
+              <a:lnSpc>
+                <a:spcPct val="100000"/>
+              </a:lnSpc>
+              <a:spcBef>
+                <a:spcPts val="0"/>
+              </a:spcBef>
+              <a:spcAft>
+                <a:spcPts val="0"/>
+              </a:spcAft>
+              <a:buClr>
+                <a:schemeClr val="lt1"/>
+              </a:buClr>
+              <a:buSzPts val="4800"/>
+              <a:buFont typeface="Walter Turncoat"/>
+              <a:buNone/>
+              <a:defRPr sz="4800" b="0" i="0" u="none" strike="noStrike" cap="none">
+                <a:solidFill>
+                  <a:schemeClr val="lt1"/>
+                </a:solidFill>
+                <a:latin typeface="Walter Turncoat"/>
+                <a:ea typeface="Walter Turncoat"/>
+                <a:cs typeface="Walter Turncoat"/>
+                <a:sym typeface="Walter Turncoat"/>
+              </a:defRPr>
+            </a:lvl5pPr>
+            <a:lvl6pPr marR="0" lvl="5" algn="ctr" rtl="0">
+              <a:lnSpc>
+                <a:spcPct val="100000"/>
+              </a:lnSpc>
+              <a:spcBef>
+                <a:spcPts val="0"/>
+              </a:spcBef>
+              <a:spcAft>
+                <a:spcPts val="0"/>
+              </a:spcAft>
+              <a:buClr>
+                <a:schemeClr val="lt1"/>
+              </a:buClr>
+              <a:buSzPts val="4800"/>
+              <a:buFont typeface="Walter Turncoat"/>
+              <a:buNone/>
+              <a:defRPr sz="4800" b="0" i="0" u="none" strike="noStrike" cap="none">
+                <a:solidFill>
+                  <a:schemeClr val="lt1"/>
+                </a:solidFill>
+                <a:latin typeface="Walter Turncoat"/>
+                <a:ea typeface="Walter Turncoat"/>
+                <a:cs typeface="Walter Turncoat"/>
+                <a:sym typeface="Walter Turncoat"/>
+              </a:defRPr>
+            </a:lvl6pPr>
+            <a:lvl7pPr marR="0" lvl="6" algn="ctr" rtl="0">
+              <a:lnSpc>
+                <a:spcPct val="100000"/>
+              </a:lnSpc>
+              <a:spcBef>
+                <a:spcPts val="0"/>
+              </a:spcBef>
+              <a:spcAft>
+                <a:spcPts val="0"/>
+              </a:spcAft>
+              <a:buClr>
+                <a:schemeClr val="lt1"/>
+              </a:buClr>
+              <a:buSzPts val="4800"/>
+              <a:buFont typeface="Walter Turncoat"/>
+              <a:buNone/>
+              <a:defRPr sz="4800" b="0" i="0" u="none" strike="noStrike" cap="none">
+                <a:solidFill>
+                  <a:schemeClr val="lt1"/>
+                </a:solidFill>
+                <a:latin typeface="Walter Turncoat"/>
+                <a:ea typeface="Walter Turncoat"/>
+                <a:cs typeface="Walter Turncoat"/>
+                <a:sym typeface="Walter Turncoat"/>
+              </a:defRPr>
+            </a:lvl7pPr>
+            <a:lvl8pPr marR="0" lvl="7" algn="ctr" rtl="0">
+              <a:lnSpc>
+                <a:spcPct val="100000"/>
+              </a:lnSpc>
+              <a:spcBef>
+                <a:spcPts val="0"/>
+              </a:spcBef>
+              <a:spcAft>
+                <a:spcPts val="0"/>
+              </a:spcAft>
+              <a:buClr>
+                <a:schemeClr val="lt1"/>
+              </a:buClr>
+              <a:buSzPts val="4800"/>
+              <a:buFont typeface="Walter Turncoat"/>
+              <a:buNone/>
+              <a:defRPr sz="4800" b="0" i="0" u="none" strike="noStrike" cap="none">
+                <a:solidFill>
+                  <a:schemeClr val="lt1"/>
+                </a:solidFill>
+                <a:latin typeface="Walter Turncoat"/>
+                <a:ea typeface="Walter Turncoat"/>
+                <a:cs typeface="Walter Turncoat"/>
+                <a:sym typeface="Walter Turncoat"/>
+              </a:defRPr>
+            </a:lvl8pPr>
+            <a:lvl9pPr marR="0" lvl="8" algn="ctr" rtl="0">
+              <a:lnSpc>
+                <a:spcPct val="100000"/>
+              </a:lnSpc>
+              <a:spcBef>
+                <a:spcPts val="0"/>
+              </a:spcBef>
+              <a:spcAft>
+                <a:spcPts val="0"/>
+              </a:spcAft>
+              <a:buClr>
+                <a:schemeClr val="lt1"/>
+              </a:buClr>
+              <a:buSzPts val="4800"/>
+              <a:buFont typeface="Walter Turncoat"/>
+              <a:buNone/>
+              <a:defRPr sz="4800" b="0" i="0" u="none" strike="noStrike" cap="none">
+                <a:solidFill>
+                  <a:schemeClr val="lt1"/>
+                </a:solidFill>
+                <a:latin typeface="Walter Turncoat"/>
+                <a:ea typeface="Walter Turncoat"/>
+                <a:cs typeface="Walter Turncoat"/>
+                <a:sym typeface="Walter Turncoat"/>
+              </a:defRPr>
+            </a:lvl9pPr>
+          </a:lstStyle>
+          <a:p>
+            <a:pPr marL="0" lvl="0" indent="0" algn="l" rtl="0">
+              <a:spcBef>
+                <a:spcPts val="0"/>
+              </a:spcBef>
+              <a:spcAft>
+                <a:spcPts val="0"/>
+              </a:spcAft>
+              <a:buNone/>
+            </a:pPr>
+            <a:r>
+              <a:rPr lang="en-US" altLang="" sz="1600"/>
+              <a:t>The</a:t>
+            </a:r>
+            <a:r>
+              <a:rPr lang="" altLang="en-US" sz="1600"/>
+              <a:t> basic function we should provide</a:t>
+            </a:r>
+            <a:r>
+              <a:rPr lang="en-US" altLang="" sz="1600"/>
+              <a:t> </a:t>
+            </a:r>
+            <a:r>
+              <a:rPr lang="" altLang="en-US" sz="1600"/>
+              <a:t>at least</a:t>
+            </a:r>
+            <a:r>
+              <a:rPr lang="en-US" altLang="en-US" sz="1600"/>
+              <a:t>:</a:t>
+            </a:r>
+            <a:endParaRPr lang="en-US" altLang="en-US" sz="1600"/>
+          </a:p>
+          <a:p>
+            <a:pPr marL="457200" lvl="0" indent="-317500" algn="l" rtl="0">
+              <a:lnSpc>
+                <a:spcPct val="100000"/>
+              </a:lnSpc>
+              <a:spcBef>
+                <a:spcPts val="600"/>
+              </a:spcBef>
+              <a:spcAft>
+                <a:spcPts val="0"/>
+              </a:spcAft>
+              <a:buClr>
+                <a:srgbClr val="FFFFFF"/>
+              </a:buClr>
+              <a:buSzPts val="1400"/>
+              <a:buFont typeface="Wingdings" panose="05000000000000000000" charset="0"/>
+              <a:buChar char=""/>
+            </a:pPr>
+            <a:r>
+              <a:rPr lang="" altLang="en-US" sz="1600">
+                <a:sym typeface="+mn-ea"/>
+              </a:rPr>
+              <a:t>Regist</a:t>
+            </a:r>
+            <a:r>
+              <a:rPr lang="en-US" altLang="" sz="1600">
+                <a:sym typeface="+mn-ea"/>
+              </a:rPr>
+              <a:t>er</a:t>
+            </a:r>
+            <a:r>
+              <a:rPr lang="" altLang="en-US" sz="1600">
+                <a:sym typeface="+mn-ea"/>
+              </a:rPr>
+              <a:t> / Logout</a:t>
+            </a:r>
+            <a:endParaRPr lang="en-US" altLang="en-US" sz="1600">
+              <a:sym typeface="+mn-ea"/>
+            </a:endParaRPr>
+          </a:p>
+          <a:p>
+            <a:pPr marL="457200" lvl="0" indent="-317500" algn="l" rtl="0">
+              <a:lnSpc>
+                <a:spcPct val="100000"/>
+              </a:lnSpc>
+              <a:spcBef>
+                <a:spcPts val="600"/>
+              </a:spcBef>
+              <a:spcAft>
+                <a:spcPts val="0"/>
+              </a:spcAft>
+              <a:buClr>
+                <a:srgbClr val="FFFFFF"/>
+              </a:buClr>
+              <a:buSzPts val="1400"/>
+              <a:buFont typeface="Wingdings" panose="05000000000000000000" charset="0"/>
+              <a:buChar char=""/>
+            </a:pPr>
+            <a:r>
+              <a:rPr lang="" altLang="en-US" sz="1600">
+                <a:sym typeface="+mn-ea"/>
+              </a:rPr>
+              <a:t>Cross-chain message </a:t>
+            </a:r>
+            <a:r>
+              <a:rPr lang="en-US" altLang="" sz="1600">
+                <a:sym typeface="+mn-ea"/>
+              </a:rPr>
+              <a:t>routing</a:t>
+            </a:r>
+            <a:endParaRPr lang="en-US" altLang="" sz="1600">
+              <a:sym typeface="+mn-ea"/>
+            </a:endParaRPr>
+          </a:p>
+          <a:p>
+            <a:pPr marL="457200" lvl="0" indent="-317500" algn="l" rtl="0">
+              <a:lnSpc>
+                <a:spcPct val="100000"/>
+              </a:lnSpc>
+              <a:spcBef>
+                <a:spcPts val="600"/>
+              </a:spcBef>
+              <a:spcAft>
+                <a:spcPts val="0"/>
+              </a:spcAft>
+              <a:buClr>
+                <a:srgbClr val="FFFFFF"/>
+              </a:buClr>
+              <a:buSzPts val="1400"/>
+              <a:buFont typeface="Wingdings" panose="05000000000000000000" charset="0"/>
+              <a:buChar char=""/>
+            </a:pPr>
+            <a:r>
+              <a:rPr lang="en-US" altLang="" sz="1600">
+                <a:sym typeface="+mn-ea"/>
+              </a:rPr>
+              <a:t>Asy</a:t>
+            </a:r>
+            <a:r>
+              <a:rPr lang="" altLang="en-US" sz="1600">
+                <a:sym typeface="+mn-ea"/>
+              </a:rPr>
+              <a:t>nchronous notification</a:t>
+            </a:r>
+            <a:endParaRPr lang="en-US" altLang="en-US" sz="1600">
+              <a:sym typeface="+mn-ea"/>
+            </a:endParaRPr>
+          </a:p>
+          <a:p>
+            <a:pPr marL="457200" lvl="0" indent="-317500" algn="l" rtl="0">
+              <a:lnSpc>
+                <a:spcPct val="100000"/>
+              </a:lnSpc>
+              <a:spcBef>
+                <a:spcPts val="600"/>
+              </a:spcBef>
+              <a:spcAft>
+                <a:spcPts val="0"/>
+              </a:spcAft>
+              <a:buClr>
+                <a:srgbClr val="FFFFFF"/>
+              </a:buClr>
+              <a:buSzPts val="1400"/>
+              <a:buFont typeface="Wingdings" panose="05000000000000000000" charset="0"/>
+              <a:buChar char=""/>
+            </a:pPr>
+            <a:r>
+              <a:rPr lang="en-US" altLang="en-US" sz="1600">
+                <a:sym typeface="+mn-ea"/>
+              </a:rPr>
+              <a:t>......</a:t>
+            </a:r>
+            <a:endParaRPr lang="en-US" altLang="en-US" sz="1600">
+              <a:sym typeface="+mn-ea"/>
+            </a:endParaRPr>
+          </a:p>
+        </p:txBody>
+      </p:sp>
     </p:spTree>
   </p:cSld>
   <p:clrMapOvr>
@@ -21326,6 +21886,562 @@
 </file>
 
 <file path=ppt/slides/slide25.xml><?xml version="1.0" encoding="utf-8"?>
+<p:sld xmlns:a="http://schemas.openxmlformats.org/drawingml/2006/main" xmlns:r="http://schemas.openxmlformats.org/officeDocument/2006/relationships" xmlns:p="http://schemas.openxmlformats.org/presentationml/2006/main">
+  <p:cSld>
+    <p:spTree>
+      <p:nvGrpSpPr>
+        <p:cNvPr id="80" name="Shape 80"/>
+        <p:cNvGrpSpPr/>
+        <p:nvPr/>
+      </p:nvGrpSpPr>
+      <p:grpSpPr>
+        <a:xfrm>
+          <a:off x="0" y="0"/>
+          <a:ext cx="0" cy="0"/>
+          <a:chOff x="0" y="0"/>
+          <a:chExt cx="0" cy="0"/>
+        </a:xfrm>
+      </p:grpSpPr>
+      <p:sp>
+        <p:nvSpPr>
+          <p:cNvPr id="84" name="Google Shape;84;p14"/>
+          <p:cNvSpPr txBox="true"/>
+          <p:nvPr>
+            <p:ph type="sldNum" idx="12"/>
+          </p:nvPr>
+        </p:nvSpPr>
+        <p:spPr>
+          <a:xfrm>
+            <a:off x="4297650" y="4832975"/>
+            <a:ext cx="548700" cy="310500"/>
+          </a:xfrm>
+          <a:prstGeom prst="rect">
+            <a:avLst/>
+          </a:prstGeom>
+        </p:spPr>
+        <p:txBody>
+          <a:bodyPr spcFirstLastPara="1" wrap="square" lIns="91425" tIns="91425" rIns="91425" bIns="91425" anchor="t" anchorCtr="false">
+            <a:noAutofit/>
+          </a:bodyPr>
+          <a:lstStyle/>
+          <a:p>
+            <a:pPr marL="0" lvl="0" indent="0" algn="ctr" rtl="0">
+              <a:spcBef>
+                <a:spcPts val="0"/>
+              </a:spcBef>
+              <a:spcAft>
+                <a:spcPts val="0"/>
+              </a:spcAft>
+              <a:buNone/>
+            </a:pPr>
+            <a:fld id="{00000000-1234-1234-1234-123412341234}" type="slidenum">
+              <a:rPr lang="en-GB"/>
+            </a:fld>
+            <a:endParaRPr lang="en-GB"/>
+          </a:p>
+        </p:txBody>
+      </p:sp>
+      <p:sp>
+        <p:nvSpPr>
+          <p:cNvPr id="82" name="Google Shape;82;p14"/>
+          <p:cNvSpPr txBox="true"/>
+          <p:nvPr>
+            <p:ph type="subTitle" idx="1"/>
+          </p:nvPr>
+        </p:nvSpPr>
+        <p:spPr>
+          <a:xfrm>
+            <a:off x="2016125" y="283845"/>
+            <a:ext cx="5112385" cy="532130"/>
+          </a:xfrm>
+          <a:prstGeom prst="rect">
+            <a:avLst/>
+          </a:prstGeom>
+        </p:spPr>
+        <p:txBody>
+          <a:bodyPr spcFirstLastPara="1" wrap="square" lIns="91425" tIns="91425" rIns="91425" bIns="91425" anchor="t" anchorCtr="false">
+            <a:noAutofit/>
+          </a:bodyPr>
+          <a:p>
+            <a:pPr lvl="0" algn="ctr"/>
+            <a:r>
+              <a:rPr lang="en-US" altLang="en-US" sz="2400">
+                <a:sym typeface="+mn-ea"/>
+              </a:rPr>
+              <a:t>Min</a:t>
+            </a:r>
+            <a:r>
+              <a:rPr lang="" altLang="en-US" sz="2400">
+                <a:sym typeface="+mn-ea"/>
+              </a:rPr>
+              <a:t>imal Protocal</a:t>
+            </a:r>
+            <a:endParaRPr lang="" altLang="en-US" sz="2400">
+              <a:sym typeface="+mn-ea"/>
+            </a:endParaRPr>
+          </a:p>
+        </p:txBody>
+      </p:sp>
+      <p:sp>
+        <p:nvSpPr>
+          <p:cNvPr id="7" name="Google Shape;81;p14"/>
+          <p:cNvSpPr txBox="true"/>
+          <p:nvPr/>
+        </p:nvSpPr>
+        <p:spPr>
+          <a:xfrm>
+            <a:off x="6618605" y="2143760"/>
+            <a:ext cx="2240915" cy="1478915"/>
+          </a:xfrm>
+          <a:prstGeom prst="rect">
+            <a:avLst/>
+          </a:prstGeom>
+          <a:noFill/>
+          <a:ln>
+            <a:solidFill>
+              <a:schemeClr val="bg1"/>
+            </a:solidFill>
+          </a:ln>
+        </p:spPr>
+        <p:txBody>
+          <a:bodyPr wrap="square" lIns="91425" tIns="91425" rIns="91425" bIns="91425" anchor="b" anchorCtr="false">
+            <a:noAutofit/>
+          </a:bodyPr>
+          <a:lstStyle>
+            <a:defPPr marR="0" lvl="0" algn="l" rtl="0">
+              <a:lnSpc>
+                <a:spcPct val="100000"/>
+              </a:lnSpc>
+              <a:spcBef>
+                <a:spcPts val="0"/>
+              </a:spcBef>
+              <a:spcAft>
+                <a:spcPts val="0"/>
+              </a:spcAft>
+            </a:defPPr>
+            <a:lvl1pPr marR="0" lvl="0" algn="ctr" rtl="0">
+              <a:lnSpc>
+                <a:spcPct val="100000"/>
+              </a:lnSpc>
+              <a:spcBef>
+                <a:spcPts val="0"/>
+              </a:spcBef>
+              <a:spcAft>
+                <a:spcPts val="0"/>
+              </a:spcAft>
+              <a:buClr>
+                <a:schemeClr val="lt1"/>
+              </a:buClr>
+              <a:buSzPts val="4800"/>
+              <a:buFont typeface="Walter Turncoat"/>
+              <a:buNone/>
+              <a:defRPr sz="4800" b="0" i="0" u="none" strike="noStrike" cap="none">
+                <a:solidFill>
+                  <a:schemeClr val="lt1"/>
+                </a:solidFill>
+                <a:latin typeface="Walter Turncoat"/>
+                <a:ea typeface="Walter Turncoat"/>
+                <a:cs typeface="Walter Turncoat"/>
+                <a:sym typeface="Walter Turncoat"/>
+              </a:defRPr>
+            </a:lvl1pPr>
+            <a:lvl2pPr marR="0" lvl="1" algn="ctr" rtl="0">
+              <a:lnSpc>
+                <a:spcPct val="100000"/>
+              </a:lnSpc>
+              <a:spcBef>
+                <a:spcPts val="0"/>
+              </a:spcBef>
+              <a:spcAft>
+                <a:spcPts val="0"/>
+              </a:spcAft>
+              <a:buClr>
+                <a:schemeClr val="lt1"/>
+              </a:buClr>
+              <a:buSzPts val="4800"/>
+              <a:buFont typeface="Walter Turncoat"/>
+              <a:buNone/>
+              <a:defRPr sz="4800" b="0" i="0" u="none" strike="noStrike" cap="none">
+                <a:solidFill>
+                  <a:schemeClr val="lt1"/>
+                </a:solidFill>
+                <a:latin typeface="Walter Turncoat"/>
+                <a:ea typeface="Walter Turncoat"/>
+                <a:cs typeface="Walter Turncoat"/>
+                <a:sym typeface="Walter Turncoat"/>
+              </a:defRPr>
+            </a:lvl2pPr>
+            <a:lvl3pPr marR="0" lvl="2" algn="ctr" rtl="0">
+              <a:lnSpc>
+                <a:spcPct val="100000"/>
+              </a:lnSpc>
+              <a:spcBef>
+                <a:spcPts val="0"/>
+              </a:spcBef>
+              <a:spcAft>
+                <a:spcPts val="0"/>
+              </a:spcAft>
+              <a:buClr>
+                <a:schemeClr val="lt1"/>
+              </a:buClr>
+              <a:buSzPts val="4800"/>
+              <a:buFont typeface="Walter Turncoat"/>
+              <a:buNone/>
+              <a:defRPr sz="4800" b="0" i="0" u="none" strike="noStrike" cap="none">
+                <a:solidFill>
+                  <a:schemeClr val="lt1"/>
+                </a:solidFill>
+                <a:latin typeface="Walter Turncoat"/>
+                <a:ea typeface="Walter Turncoat"/>
+                <a:cs typeface="Walter Turncoat"/>
+                <a:sym typeface="Walter Turncoat"/>
+              </a:defRPr>
+            </a:lvl3pPr>
+            <a:lvl4pPr marR="0" lvl="3" algn="ctr" rtl="0">
+              <a:lnSpc>
+                <a:spcPct val="100000"/>
+              </a:lnSpc>
+              <a:spcBef>
+                <a:spcPts val="0"/>
+              </a:spcBef>
+              <a:spcAft>
+                <a:spcPts val="0"/>
+              </a:spcAft>
+              <a:buClr>
+                <a:schemeClr val="lt1"/>
+              </a:buClr>
+              <a:buSzPts val="4800"/>
+              <a:buFont typeface="Walter Turncoat"/>
+              <a:buNone/>
+              <a:defRPr sz="4800" b="0" i="0" u="none" strike="noStrike" cap="none">
+                <a:solidFill>
+                  <a:schemeClr val="lt1"/>
+                </a:solidFill>
+                <a:latin typeface="Walter Turncoat"/>
+                <a:ea typeface="Walter Turncoat"/>
+                <a:cs typeface="Walter Turncoat"/>
+                <a:sym typeface="Walter Turncoat"/>
+              </a:defRPr>
+            </a:lvl4pPr>
+            <a:lvl5pPr marR="0" lvl="4" algn="ctr" rtl="0">
+              <a:lnSpc>
+                <a:spcPct val="100000"/>
+              </a:lnSpc>
+              <a:spcBef>
+                <a:spcPts val="0"/>
+              </a:spcBef>
+              <a:spcAft>
+                <a:spcPts val="0"/>
+              </a:spcAft>
+              <a:buClr>
+                <a:schemeClr val="lt1"/>
+              </a:buClr>
+              <a:buSzPts val="4800"/>
+              <a:buFont typeface="Walter Turncoat"/>
+              <a:buNone/>
+              <a:defRPr sz="4800" b="0" i="0" u="none" strike="noStrike" cap="none">
+                <a:solidFill>
+                  <a:schemeClr val="lt1"/>
+                </a:solidFill>
+                <a:latin typeface="Walter Turncoat"/>
+                <a:ea typeface="Walter Turncoat"/>
+                <a:cs typeface="Walter Turncoat"/>
+                <a:sym typeface="Walter Turncoat"/>
+              </a:defRPr>
+            </a:lvl5pPr>
+            <a:lvl6pPr marR="0" lvl="5" algn="ctr" rtl="0">
+              <a:lnSpc>
+                <a:spcPct val="100000"/>
+              </a:lnSpc>
+              <a:spcBef>
+                <a:spcPts val="0"/>
+              </a:spcBef>
+              <a:spcAft>
+                <a:spcPts val="0"/>
+              </a:spcAft>
+              <a:buClr>
+                <a:schemeClr val="lt1"/>
+              </a:buClr>
+              <a:buSzPts val="4800"/>
+              <a:buFont typeface="Walter Turncoat"/>
+              <a:buNone/>
+              <a:defRPr sz="4800" b="0" i="0" u="none" strike="noStrike" cap="none">
+                <a:solidFill>
+                  <a:schemeClr val="lt1"/>
+                </a:solidFill>
+                <a:latin typeface="Walter Turncoat"/>
+                <a:ea typeface="Walter Turncoat"/>
+                <a:cs typeface="Walter Turncoat"/>
+                <a:sym typeface="Walter Turncoat"/>
+              </a:defRPr>
+            </a:lvl6pPr>
+            <a:lvl7pPr marR="0" lvl="6" algn="ctr" rtl="0">
+              <a:lnSpc>
+                <a:spcPct val="100000"/>
+              </a:lnSpc>
+              <a:spcBef>
+                <a:spcPts val="0"/>
+              </a:spcBef>
+              <a:spcAft>
+                <a:spcPts val="0"/>
+              </a:spcAft>
+              <a:buClr>
+                <a:schemeClr val="lt1"/>
+              </a:buClr>
+              <a:buSzPts val="4800"/>
+              <a:buFont typeface="Walter Turncoat"/>
+              <a:buNone/>
+              <a:defRPr sz="4800" b="0" i="0" u="none" strike="noStrike" cap="none">
+                <a:solidFill>
+                  <a:schemeClr val="lt1"/>
+                </a:solidFill>
+                <a:latin typeface="Walter Turncoat"/>
+                <a:ea typeface="Walter Turncoat"/>
+                <a:cs typeface="Walter Turncoat"/>
+                <a:sym typeface="Walter Turncoat"/>
+              </a:defRPr>
+            </a:lvl7pPr>
+            <a:lvl8pPr marR="0" lvl="7" algn="ctr" rtl="0">
+              <a:lnSpc>
+                <a:spcPct val="100000"/>
+              </a:lnSpc>
+              <a:spcBef>
+                <a:spcPts val="0"/>
+              </a:spcBef>
+              <a:spcAft>
+                <a:spcPts val="0"/>
+              </a:spcAft>
+              <a:buClr>
+                <a:schemeClr val="lt1"/>
+              </a:buClr>
+              <a:buSzPts val="4800"/>
+              <a:buFont typeface="Walter Turncoat"/>
+              <a:buNone/>
+              <a:defRPr sz="4800" b="0" i="0" u="none" strike="noStrike" cap="none">
+                <a:solidFill>
+                  <a:schemeClr val="lt1"/>
+                </a:solidFill>
+                <a:latin typeface="Walter Turncoat"/>
+                <a:ea typeface="Walter Turncoat"/>
+                <a:cs typeface="Walter Turncoat"/>
+                <a:sym typeface="Walter Turncoat"/>
+              </a:defRPr>
+            </a:lvl8pPr>
+            <a:lvl9pPr marR="0" lvl="8" algn="ctr" rtl="0">
+              <a:lnSpc>
+                <a:spcPct val="100000"/>
+              </a:lnSpc>
+              <a:spcBef>
+                <a:spcPts val="0"/>
+              </a:spcBef>
+              <a:spcAft>
+                <a:spcPts val="0"/>
+              </a:spcAft>
+              <a:buClr>
+                <a:schemeClr val="lt1"/>
+              </a:buClr>
+              <a:buSzPts val="4800"/>
+              <a:buFont typeface="Walter Turncoat"/>
+              <a:buNone/>
+              <a:defRPr sz="4800" b="0" i="0" u="none" strike="noStrike" cap="none">
+                <a:solidFill>
+                  <a:schemeClr val="lt1"/>
+                </a:solidFill>
+                <a:latin typeface="Walter Turncoat"/>
+                <a:ea typeface="Walter Turncoat"/>
+                <a:cs typeface="Walter Turncoat"/>
+                <a:sym typeface="Walter Turncoat"/>
+              </a:defRPr>
+            </a:lvl9pPr>
+          </a:lstStyle>
+          <a:p>
+            <a:pPr marL="0" lvl="0" indent="0" algn="l" rtl="0">
+              <a:spcBef>
+                <a:spcPts val="0"/>
+              </a:spcBef>
+              <a:spcAft>
+                <a:spcPts val="0"/>
+              </a:spcAft>
+              <a:buNone/>
+            </a:pPr>
+            <a:r>
+              <a:rPr lang="" altLang="en-US" sz="1600"/>
+              <a:t>For parachains</a:t>
+            </a:r>
+            <a:r>
+              <a:rPr lang="en-US" altLang="en-US" sz="1600"/>
+              <a:t>:</a:t>
+            </a:r>
+            <a:endParaRPr lang="en-US" altLang="en-US" sz="1600"/>
+          </a:p>
+          <a:p>
+            <a:pPr marL="457200" lvl="0" indent="-317500" algn="l" rtl="0">
+              <a:lnSpc>
+                <a:spcPct val="100000"/>
+              </a:lnSpc>
+              <a:spcBef>
+                <a:spcPts val="600"/>
+              </a:spcBef>
+              <a:spcAft>
+                <a:spcPts val="0"/>
+              </a:spcAft>
+              <a:buClr>
+                <a:srgbClr val="FFFFFF"/>
+              </a:buClr>
+              <a:buSzPts val="1400"/>
+              <a:buFont typeface="Wingdings" panose="05000000000000000000" charset="0"/>
+              <a:buChar char=""/>
+            </a:pPr>
+            <a:r>
+              <a:rPr lang="" altLang="en-US" sz="1600">
+                <a:sym typeface="+mn-ea"/>
+              </a:rPr>
+              <a:t>Send </a:t>
+            </a:r>
+            <a:r>
+              <a:rPr lang="en-US" altLang="en-US" sz="1600">
+                <a:sym typeface="+mn-ea"/>
+              </a:rPr>
+              <a:t>type</a:t>
+            </a:r>
+            <a:r>
+              <a:rPr lang="" altLang="en-US" sz="1600">
+                <a:sym typeface="+mn-ea"/>
+              </a:rPr>
+              <a:t>:</a:t>
+            </a:r>
+            <a:r>
+              <a:rPr lang="en-US" altLang="en-US" sz="1600">
+                <a:sym typeface="+mn-ea"/>
+              </a:rPr>
+              <a:t> </a:t>
+            </a:r>
+            <a:r>
+              <a:rPr lang="" altLang="en-US" sz="1600">
+                <a:sym typeface="+mn-ea"/>
+              </a:rPr>
+              <a:t>5</a:t>
+            </a:r>
+            <a:endParaRPr lang="en-US" altLang="en-US" sz="1600">
+              <a:sym typeface="+mn-ea"/>
+            </a:endParaRPr>
+          </a:p>
+          <a:p>
+            <a:pPr marL="457200" lvl="0" indent="-317500" algn="l" rtl="0">
+              <a:lnSpc>
+                <a:spcPct val="100000"/>
+              </a:lnSpc>
+              <a:spcBef>
+                <a:spcPts val="600"/>
+              </a:spcBef>
+              <a:spcAft>
+                <a:spcPts val="0"/>
+              </a:spcAft>
+              <a:buClr>
+                <a:srgbClr val="FFFFFF"/>
+              </a:buClr>
+              <a:buSzPts val="1400"/>
+              <a:buFont typeface="Wingdings" panose="05000000000000000000" charset="0"/>
+              <a:buChar char=""/>
+            </a:pPr>
+            <a:r>
+              <a:rPr lang="" altLang="en-US" sz="1600">
+                <a:sym typeface="+mn-ea"/>
+              </a:rPr>
+              <a:t>Receive </a:t>
+            </a:r>
+            <a:r>
+              <a:rPr lang="en-US" altLang="en-US" sz="1600">
+                <a:sym typeface="+mn-ea"/>
+              </a:rPr>
+              <a:t>type</a:t>
+            </a:r>
+            <a:r>
+              <a:rPr lang="" altLang="en-US" sz="1600">
+                <a:sym typeface="+mn-ea"/>
+              </a:rPr>
+              <a:t>:</a:t>
+            </a:r>
+            <a:r>
+              <a:rPr lang="en-US" altLang="en-US" sz="1600">
+                <a:sym typeface="+mn-ea"/>
+              </a:rPr>
+              <a:t> </a:t>
+            </a:r>
+            <a:r>
+              <a:rPr lang="" altLang="en-US" sz="1600">
+                <a:sym typeface="+mn-ea"/>
+              </a:rPr>
+              <a:t>6</a:t>
+            </a:r>
+            <a:endParaRPr lang="en-US" altLang="en-US" sz="1600">
+              <a:sym typeface="+mn-ea"/>
+            </a:endParaRPr>
+          </a:p>
+          <a:p>
+            <a:pPr marL="457200" lvl="0" indent="-317500" algn="l" rtl="0">
+              <a:lnSpc>
+                <a:spcPct val="100000"/>
+              </a:lnSpc>
+              <a:spcBef>
+                <a:spcPts val="600"/>
+              </a:spcBef>
+              <a:spcAft>
+                <a:spcPts val="0"/>
+              </a:spcAft>
+              <a:buClr>
+                <a:srgbClr val="FFFFFF"/>
+              </a:buClr>
+              <a:buSzPts val="1400"/>
+              <a:buFont typeface="Wingdings" panose="05000000000000000000" charset="0"/>
+              <a:buChar char=""/>
+            </a:pPr>
+            <a:r>
+              <a:rPr lang="en-US" altLang="en-US" sz="1600">
+                <a:sym typeface="+mn-ea"/>
+              </a:rPr>
+              <a:t>......</a:t>
+            </a:r>
+            <a:endParaRPr lang="en-US" altLang="en-US" sz="1600">
+              <a:sym typeface="+mn-ea"/>
+            </a:endParaRPr>
+          </a:p>
+        </p:txBody>
+      </p:sp>
+      <p:pic>
+        <p:nvPicPr>
+          <p:cNvPr id="8" name="图片 7"/>
+          <p:cNvPicPr>
+            <a:picLocks noChangeAspect="true"/>
+          </p:cNvPicPr>
+          <p:nvPr/>
+        </p:nvPicPr>
+        <p:blipFill>
+          <a:blip r:embed="rId1"/>
+          <a:stretch>
+            <a:fillRect/>
+          </a:stretch>
+        </p:blipFill>
+        <p:spPr>
+          <a:xfrm>
+            <a:off x="334010" y="1101725"/>
+            <a:ext cx="6052820" cy="3562350"/>
+          </a:xfrm>
+          <a:prstGeom prst="rect">
+            <a:avLst/>
+          </a:prstGeom>
+        </p:spPr>
+      </p:pic>
+    </p:spTree>
+  </p:cSld>
+  <p:clrMapOvr>
+    <a:masterClrMapping/>
+  </p:clrMapOvr>
+  <p:transition/>
+</p:sld>
+</file>
+
+<file path=ppt/slides/slide26.xml><?xml version="1.0" encoding="utf-8"?>
 <p:sld xmlns:a="http://schemas.openxmlformats.org/drawingml/2006/main" xmlns:r="http://schemas.openxmlformats.org/officeDocument/2006/relationships" xmlns:p="http://schemas.openxmlformats.org/presentationml/2006/main">
   <p:cSld>
     <p:spTree>
